--- a/assets/slides/rfc6573.pptx
+++ b/assets/slides/rfc6573.pptx
@@ -158,7 +158,7 @@
   <pc:docChgLst>
     <pc:chgData name="Michael Amundsen" userId="77111d9765e07cd1" providerId="LiveId" clId="{FA47B040-E8EB-46CE-A72B-AF3DDECCBD72}"/>
     <pc:docChg chg="undo custSel addSld modSld">
-      <pc:chgData name="Michael Amundsen" userId="77111d9765e07cd1" providerId="LiveId" clId="{FA47B040-E8EB-46CE-A72B-AF3DDECCBD72}" dt="2022-03-29T13:53:14.776" v="834" actId="20577"/>
+      <pc:chgData name="Michael Amundsen" userId="77111d9765e07cd1" providerId="LiveId" clId="{FA47B040-E8EB-46CE-A72B-AF3DDECCBD72}" dt="2022-03-29T14:57:03.507" v="902" actId="1076"/>
       <pc:docMkLst>
         <pc:docMk/>
       </pc:docMkLst>
@@ -256,7 +256,7 @@
         </pc:spChg>
       </pc:sldChg>
       <pc:sldChg chg="addSp delSp modSp mod">
-        <pc:chgData name="Michael Amundsen" userId="77111d9765e07cd1" providerId="LiveId" clId="{FA47B040-E8EB-46CE-A72B-AF3DDECCBD72}" dt="2022-03-29T13:51:39.880" v="709" actId="1076"/>
+        <pc:chgData name="Michael Amundsen" userId="77111d9765e07cd1" providerId="LiveId" clId="{FA47B040-E8EB-46CE-A72B-AF3DDECCBD72}" dt="2022-03-29T14:57:03.507" v="902" actId="1076"/>
         <pc:sldMkLst>
           <pc:docMk/>
           <pc:sldMk cId="1359794030" sldId="259"/>
@@ -293,8 +293,8 @@
             <ac:spMk id="6" creationId="{4D0CE8EE-FF7C-AF4D-B6BF-D600E6EA4B66}"/>
           </ac:spMkLst>
         </pc:spChg>
-        <pc:picChg chg="add mod">
-          <ac:chgData name="Michael Amundsen" userId="77111d9765e07cd1" providerId="LiveId" clId="{FA47B040-E8EB-46CE-A72B-AF3DDECCBD72}" dt="2022-03-29T13:51:39.880" v="709" actId="1076"/>
+        <pc:picChg chg="add mod modCrop">
+          <ac:chgData name="Michael Amundsen" userId="77111d9765e07cd1" providerId="LiveId" clId="{FA47B040-E8EB-46CE-A72B-AF3DDECCBD72}" dt="2022-03-29T14:57:03.507" v="902" actId="1076"/>
           <ac:picMkLst>
             <pc:docMk/>
             <pc:sldMk cId="1359794030" sldId="259"/>
@@ -458,13 +458,13 @@
         </pc:spChg>
       </pc:sldChg>
       <pc:sldChg chg="modSp add mod">
-        <pc:chgData name="Michael Amundsen" userId="77111d9765e07cd1" providerId="LiveId" clId="{FA47B040-E8EB-46CE-A72B-AF3DDECCBD72}" dt="2022-03-29T13:46:43.971" v="506" actId="207"/>
+        <pc:chgData name="Michael Amundsen" userId="77111d9765e07cd1" providerId="LiveId" clId="{FA47B040-E8EB-46CE-A72B-AF3DDECCBD72}" dt="2022-03-29T14:55:11.101" v="898" actId="6549"/>
         <pc:sldMkLst>
           <pc:docMk/>
           <pc:sldMk cId="1738507563" sldId="265"/>
         </pc:sldMkLst>
         <pc:spChg chg="mod">
-          <ac:chgData name="Michael Amundsen" userId="77111d9765e07cd1" providerId="LiveId" clId="{FA47B040-E8EB-46CE-A72B-AF3DDECCBD72}" dt="2022-03-29T13:46:43.971" v="506" actId="207"/>
+          <ac:chgData name="Michael Amundsen" userId="77111d9765e07cd1" providerId="LiveId" clId="{FA47B040-E8EB-46CE-A72B-AF3DDECCBD72}" dt="2022-03-29T14:55:11.101" v="898" actId="6549"/>
           <ac:spMkLst>
             <pc:docMk/>
             <pc:sldMk cId="1738507563" sldId="265"/>
@@ -543,7 +543,7 @@
           <a:noFill/>
           <a:extLst>
             <a:ext uri="{909E8E84-426E-40dd-AFC4-6F175D3DCCD1}">
-              <a14:hiddenFill xmlns="" xmlns:a14="http://schemas.microsoft.com/office/drawing/2010/main">
+              <a14:hiddenFill xmlns:a14="http://schemas.microsoft.com/office/drawing/2010/main" xmlns="">
                 <a:solidFill>
                   <a:srgbClr val="FFFFFF"/>
                 </a:solidFill>
@@ -603,7 +603,7 @@
             </a:ln>
             <a:extLst>
               <a:ext uri="{91240B29-F687-4f45-9708-019B960494DF}">
-                <a14:hiddenLine xmlns="" xmlns:a14="http://schemas.microsoft.com/office/drawing/2010/main" w="9525">
+                <a14:hiddenLine xmlns:a14="http://schemas.microsoft.com/office/drawing/2010/main" xmlns="" w="9525">
                   <a:solidFill>
                     <a:srgbClr val="000000"/>
                   </a:solidFill>
@@ -693,7 +693,7 @@
             </a:ln>
             <a:extLst>
               <a:ext uri="{91240B29-F687-4f45-9708-019B960494DF}">
-                <a14:hiddenLine xmlns="" xmlns:a14="http://schemas.microsoft.com/office/drawing/2010/main" w="9525">
+                <a14:hiddenLine xmlns:a14="http://schemas.microsoft.com/office/drawing/2010/main" xmlns="" w="9525">
                   <a:solidFill>
                     <a:srgbClr val="000000"/>
                   </a:solidFill>
@@ -783,7 +783,7 @@
             </a:ln>
             <a:extLst>
               <a:ext uri="{91240B29-F687-4f45-9708-019B960494DF}">
-                <a14:hiddenLine xmlns="" xmlns:a14="http://schemas.microsoft.com/office/drawing/2010/main" w="9525">
+                <a14:hiddenLine xmlns:a14="http://schemas.microsoft.com/office/drawing/2010/main" xmlns="" w="9525">
                   <a:solidFill>
                     <a:srgbClr val="000000"/>
                   </a:solidFill>
@@ -817,7 +817,7 @@
             </a:ln>
             <a:extLst>
               <a:ext uri="{91240B29-F687-4f45-9708-019B960494DF}">
-                <a14:hiddenLine xmlns="" xmlns:a14="http://schemas.microsoft.com/office/drawing/2010/main" w="9525">
+                <a14:hiddenLine xmlns:a14="http://schemas.microsoft.com/office/drawing/2010/main" xmlns="" w="9525">
                   <a:solidFill>
                     <a:srgbClr val="000000"/>
                   </a:solidFill>
@@ -907,7 +907,7 @@
             </a:ln>
             <a:extLst>
               <a:ext uri="{91240B29-F687-4f45-9708-019B960494DF}">
-                <a14:hiddenLine xmlns="" xmlns:a14="http://schemas.microsoft.com/office/drawing/2010/main" w="9525">
+                <a14:hiddenLine xmlns:a14="http://schemas.microsoft.com/office/drawing/2010/main" xmlns="" w="9525">
                   <a:solidFill>
                     <a:srgbClr val="000000"/>
                   </a:solidFill>
@@ -969,7 +969,7 @@
             </a:ln>
             <a:extLst>
               <a:ext uri="{91240B29-F687-4f45-9708-019B960494DF}">
-                <a14:hiddenLine xmlns="" xmlns:a14="http://schemas.microsoft.com/office/drawing/2010/main" w="9525">
+                <a14:hiddenLine xmlns:a14="http://schemas.microsoft.com/office/drawing/2010/main" xmlns="" w="9525">
                   <a:solidFill>
                     <a:srgbClr val="000000"/>
                   </a:solidFill>
@@ -1031,7 +1031,7 @@
             </a:ln>
             <a:extLst>
               <a:ext uri="{91240B29-F687-4f45-9708-019B960494DF}">
-                <a14:hiddenLine xmlns="" xmlns:a14="http://schemas.microsoft.com/office/drawing/2010/main" w="9525">
+                <a14:hiddenLine xmlns:a14="http://schemas.microsoft.com/office/drawing/2010/main" xmlns="" w="9525">
                   <a:solidFill>
                     <a:srgbClr val="000000"/>
                   </a:solidFill>
@@ -1121,7 +1121,7 @@
             </a:ln>
             <a:extLst>
               <a:ext uri="{91240B29-F687-4f45-9708-019B960494DF}">
-                <a14:hiddenLine xmlns="" xmlns:a14="http://schemas.microsoft.com/office/drawing/2010/main" w="9525">
+                <a14:hiddenLine xmlns:a14="http://schemas.microsoft.com/office/drawing/2010/main" xmlns="" w="9525">
                   <a:solidFill>
                     <a:srgbClr val="000000"/>
                   </a:solidFill>
@@ -1183,7 +1183,7 @@
             </a:ln>
             <a:extLst>
               <a:ext uri="{91240B29-F687-4f45-9708-019B960494DF}">
-                <a14:hiddenLine xmlns="" xmlns:a14="http://schemas.microsoft.com/office/drawing/2010/main" w="9525">
+                <a14:hiddenLine xmlns:a14="http://schemas.microsoft.com/office/drawing/2010/main" xmlns="" w="9525">
                   <a:solidFill>
                     <a:srgbClr val="000000"/>
                   </a:solidFill>
@@ -1245,7 +1245,7 @@
             </a:ln>
             <a:extLst>
               <a:ext uri="{91240B29-F687-4f45-9708-019B960494DF}">
-                <a14:hiddenLine xmlns="" xmlns:a14="http://schemas.microsoft.com/office/drawing/2010/main" w="9525">
+                <a14:hiddenLine xmlns:a14="http://schemas.microsoft.com/office/drawing/2010/main" xmlns="" w="9525">
                   <a:solidFill>
                     <a:srgbClr val="000000"/>
                   </a:solidFill>
@@ -1335,7 +1335,7 @@
             </a:ln>
             <a:extLst>
               <a:ext uri="{91240B29-F687-4f45-9708-019B960494DF}">
-                <a14:hiddenLine xmlns="" xmlns:a14="http://schemas.microsoft.com/office/drawing/2010/main" w="9525">
+                <a14:hiddenLine xmlns:a14="http://schemas.microsoft.com/office/drawing/2010/main" xmlns="" w="9525">
                   <a:solidFill>
                     <a:srgbClr val="000000"/>
                   </a:solidFill>
@@ -1425,7 +1425,7 @@
             </a:ln>
             <a:extLst>
               <a:ext uri="{91240B29-F687-4f45-9708-019B960494DF}">
-                <a14:hiddenLine xmlns="" xmlns:a14="http://schemas.microsoft.com/office/drawing/2010/main" w="9525">
+                <a14:hiddenLine xmlns:a14="http://schemas.microsoft.com/office/drawing/2010/main" xmlns="" w="9525">
                   <a:solidFill>
                     <a:srgbClr val="000000"/>
                   </a:solidFill>
@@ -1487,7 +1487,7 @@
             </a:ln>
             <a:extLst>
               <a:ext uri="{91240B29-F687-4f45-9708-019B960494DF}">
-                <a14:hiddenLine xmlns="" xmlns:a14="http://schemas.microsoft.com/office/drawing/2010/main" w="9525">
+                <a14:hiddenLine xmlns:a14="http://schemas.microsoft.com/office/drawing/2010/main" xmlns="" w="9525">
                   <a:solidFill>
                     <a:srgbClr val="000000"/>
                   </a:solidFill>
@@ -1597,7 +1597,7 @@
             </a:ln>
             <a:extLst>
               <a:ext uri="{91240B29-F687-4f45-9708-019B960494DF}">
-                <a14:hiddenLine xmlns="" xmlns:a14="http://schemas.microsoft.com/office/drawing/2010/main" w="9525">
+                <a14:hiddenLine xmlns:a14="http://schemas.microsoft.com/office/drawing/2010/main" xmlns="" w="9525">
                   <a:solidFill>
                     <a:srgbClr val="000000"/>
                   </a:solidFill>
@@ -1659,7 +1659,7 @@
             </a:ln>
             <a:extLst>
               <a:ext uri="{91240B29-F687-4f45-9708-019B960494DF}">
-                <a14:hiddenLine xmlns="" xmlns:a14="http://schemas.microsoft.com/office/drawing/2010/main" w="9525">
+                <a14:hiddenLine xmlns:a14="http://schemas.microsoft.com/office/drawing/2010/main" xmlns="" w="9525">
                   <a:solidFill>
                     <a:srgbClr val="000000"/>
                   </a:solidFill>
@@ -1749,7 +1749,7 @@
             </a:ln>
             <a:extLst>
               <a:ext uri="{91240B29-F687-4f45-9708-019B960494DF}">
-                <a14:hiddenLine xmlns="" xmlns:a14="http://schemas.microsoft.com/office/drawing/2010/main" w="9525">
+                <a14:hiddenLine xmlns:a14="http://schemas.microsoft.com/office/drawing/2010/main" xmlns="" w="9525">
                   <a:solidFill>
                     <a:srgbClr val="000000"/>
                   </a:solidFill>
@@ -1839,7 +1839,7 @@
             </a:ln>
             <a:extLst>
               <a:ext uri="{91240B29-F687-4f45-9708-019B960494DF}">
-                <a14:hiddenLine xmlns="" xmlns:a14="http://schemas.microsoft.com/office/drawing/2010/main" w="9525">
+                <a14:hiddenLine xmlns:a14="http://schemas.microsoft.com/office/drawing/2010/main" xmlns="" w="9525">
                   <a:solidFill>
                     <a:srgbClr val="000000"/>
                   </a:solidFill>
@@ -1901,7 +1901,7 @@
             </a:ln>
             <a:extLst>
               <a:ext uri="{91240B29-F687-4f45-9708-019B960494DF}">
-                <a14:hiddenLine xmlns="" xmlns:a14="http://schemas.microsoft.com/office/drawing/2010/main" w="9525">
+                <a14:hiddenLine xmlns:a14="http://schemas.microsoft.com/office/drawing/2010/main" xmlns="" w="9525">
                   <a:solidFill>
                     <a:srgbClr val="000000"/>
                   </a:solidFill>
@@ -1991,7 +1991,7 @@
             </a:ln>
             <a:extLst>
               <a:ext uri="{91240B29-F687-4f45-9708-019B960494DF}">
-                <a14:hiddenLine xmlns="" xmlns:a14="http://schemas.microsoft.com/office/drawing/2010/main" w="9525">
+                <a14:hiddenLine xmlns:a14="http://schemas.microsoft.com/office/drawing/2010/main" xmlns="" w="9525">
                   <a:solidFill>
                     <a:srgbClr val="000000"/>
                   </a:solidFill>
@@ -2081,7 +2081,7 @@
             </a:ln>
             <a:extLst>
               <a:ext uri="{91240B29-F687-4f45-9708-019B960494DF}">
-                <a14:hiddenLine xmlns="" xmlns:a14="http://schemas.microsoft.com/office/drawing/2010/main" w="9525">
+                <a14:hiddenLine xmlns:a14="http://schemas.microsoft.com/office/drawing/2010/main" xmlns="" w="9525">
                   <a:solidFill>
                     <a:srgbClr val="000000"/>
                   </a:solidFill>
@@ -2137,7 +2137,7 @@
             </a:ln>
             <a:extLst>
               <a:ext uri="{91240B29-F687-4f45-9708-019B960494DF}">
-                <a14:hiddenLine xmlns="" xmlns:a14="http://schemas.microsoft.com/office/drawing/2010/main" w="9525">
+                <a14:hiddenLine xmlns:a14="http://schemas.microsoft.com/office/drawing/2010/main" xmlns="" w="9525">
                   <a:solidFill>
                     <a:srgbClr val="000000"/>
                   </a:solidFill>
@@ -2227,7 +2227,7 @@
             </a:ln>
             <a:extLst>
               <a:ext uri="{91240B29-F687-4f45-9708-019B960494DF}">
-                <a14:hiddenLine xmlns="" xmlns:a14="http://schemas.microsoft.com/office/drawing/2010/main" w="9525">
+                <a14:hiddenLine xmlns:a14="http://schemas.microsoft.com/office/drawing/2010/main" xmlns="" w="9525">
                   <a:solidFill>
                     <a:srgbClr val="000000"/>
                   </a:solidFill>
@@ -2283,7 +2283,7 @@
             </a:ln>
             <a:extLst>
               <a:ext uri="{91240B29-F687-4f45-9708-019B960494DF}">
-                <a14:hiddenLine xmlns="" xmlns:a14="http://schemas.microsoft.com/office/drawing/2010/main" w="9525">
+                <a14:hiddenLine xmlns:a14="http://schemas.microsoft.com/office/drawing/2010/main" xmlns="" w="9525">
                   <a:solidFill>
                     <a:srgbClr val="000000"/>
                   </a:solidFill>
@@ -2373,7 +2373,7 @@
             </a:ln>
             <a:extLst>
               <a:ext uri="{91240B29-F687-4f45-9708-019B960494DF}">
-                <a14:hiddenLine xmlns="" xmlns:a14="http://schemas.microsoft.com/office/drawing/2010/main" w="9525">
+                <a14:hiddenLine xmlns:a14="http://schemas.microsoft.com/office/drawing/2010/main" xmlns="" w="9525">
                   <a:solidFill>
                     <a:srgbClr val="000000"/>
                   </a:solidFill>
@@ -2441,7 +2441,7 @@
             </a:ln>
             <a:extLst>
               <a:ext uri="{91240B29-F687-4f45-9708-019B960494DF}">
-                <a14:hiddenLine xmlns="" xmlns:a14="http://schemas.microsoft.com/office/drawing/2010/main" w="9525">
+                <a14:hiddenLine xmlns:a14="http://schemas.microsoft.com/office/drawing/2010/main" xmlns="" w="9525">
                   <a:solidFill>
                     <a:srgbClr val="000000"/>
                   </a:solidFill>
@@ -2531,7 +2531,7 @@
             </a:ln>
             <a:extLst>
               <a:ext uri="{91240B29-F687-4f45-9708-019B960494DF}">
-                <a14:hiddenLine xmlns="" xmlns:a14="http://schemas.microsoft.com/office/drawing/2010/main" w="9525">
+                <a14:hiddenLine xmlns:a14="http://schemas.microsoft.com/office/drawing/2010/main" xmlns="" w="9525">
                   <a:solidFill>
                     <a:srgbClr val="000000"/>
                   </a:solidFill>
@@ -2599,7 +2599,7 @@
             </a:ln>
             <a:extLst>
               <a:ext uri="{91240B29-F687-4f45-9708-019B960494DF}">
-                <a14:hiddenLine xmlns="" xmlns:a14="http://schemas.microsoft.com/office/drawing/2010/main" w="9525">
+                <a14:hiddenLine xmlns:a14="http://schemas.microsoft.com/office/drawing/2010/main" xmlns="" w="9525">
                   <a:solidFill>
                     <a:srgbClr val="000000"/>
                   </a:solidFill>
@@ -2689,7 +2689,7 @@
             </a:ln>
             <a:extLst>
               <a:ext uri="{91240B29-F687-4f45-9708-019B960494DF}">
-                <a14:hiddenLine xmlns="" xmlns:a14="http://schemas.microsoft.com/office/drawing/2010/main" w="9525">
+                <a14:hiddenLine xmlns:a14="http://schemas.microsoft.com/office/drawing/2010/main" xmlns="" w="9525">
                   <a:solidFill>
                     <a:srgbClr val="000000"/>
                   </a:solidFill>
@@ -2723,7 +2723,7 @@
             </a:ln>
             <a:extLst>
               <a:ext uri="{91240B29-F687-4f45-9708-019B960494DF}">
-                <a14:hiddenLine xmlns="" xmlns:a14="http://schemas.microsoft.com/office/drawing/2010/main" w="9525">
+                <a14:hiddenLine xmlns:a14="http://schemas.microsoft.com/office/drawing/2010/main" xmlns="" w="9525">
                   <a:solidFill>
                     <a:srgbClr val="000000"/>
                   </a:solidFill>
@@ -2813,7 +2813,7 @@
             </a:ln>
             <a:extLst>
               <a:ext uri="{91240B29-F687-4f45-9708-019B960494DF}">
-                <a14:hiddenLine xmlns="" xmlns:a14="http://schemas.microsoft.com/office/drawing/2010/main" w="9525">
+                <a14:hiddenLine xmlns:a14="http://schemas.microsoft.com/office/drawing/2010/main" xmlns="" w="9525">
                   <a:solidFill>
                     <a:srgbClr val="000000"/>
                   </a:solidFill>
@@ -2875,7 +2875,7 @@
             </a:ln>
             <a:extLst>
               <a:ext uri="{91240B29-F687-4f45-9708-019B960494DF}">
-                <a14:hiddenLine xmlns="" xmlns:a14="http://schemas.microsoft.com/office/drawing/2010/main" w="9525">
+                <a14:hiddenLine xmlns:a14="http://schemas.microsoft.com/office/drawing/2010/main" xmlns="" w="9525">
                   <a:solidFill>
                     <a:srgbClr val="000000"/>
                   </a:solidFill>
@@ -2937,7 +2937,7 @@
             </a:ln>
             <a:extLst>
               <a:ext uri="{91240B29-F687-4f45-9708-019B960494DF}">
-                <a14:hiddenLine xmlns="" xmlns:a14="http://schemas.microsoft.com/office/drawing/2010/main" w="9525">
+                <a14:hiddenLine xmlns:a14="http://schemas.microsoft.com/office/drawing/2010/main" xmlns="" w="9525">
                   <a:solidFill>
                     <a:srgbClr val="000000"/>
                   </a:solidFill>
@@ -3027,7 +3027,7 @@
             </a:ln>
             <a:extLst>
               <a:ext uri="{91240B29-F687-4f45-9708-019B960494DF}">
-                <a14:hiddenLine xmlns="" xmlns:a14="http://schemas.microsoft.com/office/drawing/2010/main" w="9525">
+                <a14:hiddenLine xmlns:a14="http://schemas.microsoft.com/office/drawing/2010/main" xmlns="" w="9525">
                   <a:solidFill>
                     <a:srgbClr val="000000"/>
                   </a:solidFill>
@@ -3095,7 +3095,7 @@
             </a:ln>
             <a:extLst>
               <a:ext uri="{91240B29-F687-4f45-9708-019B960494DF}">
-                <a14:hiddenLine xmlns="" xmlns:a14="http://schemas.microsoft.com/office/drawing/2010/main" w="9525">
+                <a14:hiddenLine xmlns:a14="http://schemas.microsoft.com/office/drawing/2010/main" xmlns="" w="9525">
                   <a:solidFill>
                     <a:srgbClr val="000000"/>
                   </a:solidFill>
@@ -3157,7 +3157,7 @@
             </a:ln>
             <a:extLst>
               <a:ext uri="{91240B29-F687-4f45-9708-019B960494DF}">
-                <a14:hiddenLine xmlns="" xmlns:a14="http://schemas.microsoft.com/office/drawing/2010/main" w="9525">
+                <a14:hiddenLine xmlns:a14="http://schemas.microsoft.com/office/drawing/2010/main" xmlns="" w="9525">
                   <a:solidFill>
                     <a:srgbClr val="000000"/>
                   </a:solidFill>
@@ -3247,7 +3247,7 @@
             </a:ln>
             <a:extLst>
               <a:ext uri="{91240B29-F687-4f45-9708-019B960494DF}">
-                <a14:hiddenLine xmlns="" xmlns:a14="http://schemas.microsoft.com/office/drawing/2010/main" w="9525">
+                <a14:hiddenLine xmlns:a14="http://schemas.microsoft.com/office/drawing/2010/main" xmlns="" w="9525">
                   <a:solidFill>
                     <a:srgbClr val="000000"/>
                   </a:solidFill>
@@ -3309,7 +3309,7 @@
             </a:ln>
             <a:extLst>
               <a:ext uri="{91240B29-F687-4f45-9708-019B960494DF}">
-                <a14:hiddenLine xmlns="" xmlns:a14="http://schemas.microsoft.com/office/drawing/2010/main" w="9525">
+                <a14:hiddenLine xmlns:a14="http://schemas.microsoft.com/office/drawing/2010/main" xmlns="" w="9525">
                   <a:solidFill>
                     <a:srgbClr val="000000"/>
                   </a:solidFill>
@@ -3399,7 +3399,7 @@
             </a:ln>
             <a:extLst>
               <a:ext uri="{91240B29-F687-4f45-9708-019B960494DF}">
-                <a14:hiddenLine xmlns="" xmlns:a14="http://schemas.microsoft.com/office/drawing/2010/main" w="9525">
+                <a14:hiddenLine xmlns:a14="http://schemas.microsoft.com/office/drawing/2010/main" xmlns="" w="9525">
                   <a:solidFill>
                     <a:srgbClr val="000000"/>
                   </a:solidFill>
@@ -3461,7 +3461,7 @@
             </a:ln>
             <a:extLst>
               <a:ext uri="{91240B29-F687-4f45-9708-019B960494DF}">
-                <a14:hiddenLine xmlns="" xmlns:a14="http://schemas.microsoft.com/office/drawing/2010/main" w="9525">
+                <a14:hiddenLine xmlns:a14="http://schemas.microsoft.com/office/drawing/2010/main" xmlns="" w="9525">
                   <a:solidFill>
                     <a:srgbClr val="000000"/>
                   </a:solidFill>
@@ -3551,7 +3551,7 @@
             </a:ln>
             <a:extLst>
               <a:ext uri="{91240B29-F687-4f45-9708-019B960494DF}">
-                <a14:hiddenLine xmlns="" xmlns:a14="http://schemas.microsoft.com/office/drawing/2010/main" w="9525">
+                <a14:hiddenLine xmlns:a14="http://schemas.microsoft.com/office/drawing/2010/main" xmlns="" w="9525">
                   <a:solidFill>
                     <a:srgbClr val="000000"/>
                   </a:solidFill>
@@ -3585,7 +3585,7 @@
             </a:ln>
             <a:extLst>
               <a:ext uri="{91240B29-F687-4f45-9708-019B960494DF}">
-                <a14:hiddenLine xmlns="" xmlns:a14="http://schemas.microsoft.com/office/drawing/2010/main" w="9525">
+                <a14:hiddenLine xmlns:a14="http://schemas.microsoft.com/office/drawing/2010/main" xmlns="" w="9525">
                   <a:solidFill>
                     <a:srgbClr val="000000"/>
                   </a:solidFill>
@@ -3650,7 +3650,7 @@
             </a:ln>
             <a:extLst>
               <a:ext uri="{91240B29-F687-4f45-9708-019B960494DF}">
-                <a14:hiddenLine xmlns="" xmlns:a14="http://schemas.microsoft.com/office/drawing/2010/main" w="9525">
+                <a14:hiddenLine xmlns:a14="http://schemas.microsoft.com/office/drawing/2010/main" xmlns="" w="9525">
                   <a:solidFill>
                     <a:srgbClr val="000000"/>
                   </a:solidFill>
@@ -3740,7 +3740,7 @@
             </a:ln>
             <a:extLst>
               <a:ext uri="{91240B29-F687-4f45-9708-019B960494DF}">
-                <a14:hiddenLine xmlns="" xmlns:a14="http://schemas.microsoft.com/office/drawing/2010/main" w="9525">
+                <a14:hiddenLine xmlns:a14="http://schemas.microsoft.com/office/drawing/2010/main" xmlns="" w="9525">
                   <a:solidFill>
                     <a:srgbClr val="000000"/>
                   </a:solidFill>
@@ -3802,7 +3802,7 @@
             </a:ln>
             <a:extLst>
               <a:ext uri="{91240B29-F687-4f45-9708-019B960494DF}">
-                <a14:hiddenLine xmlns="" xmlns:a14="http://schemas.microsoft.com/office/drawing/2010/main" w="9525">
+                <a14:hiddenLine xmlns:a14="http://schemas.microsoft.com/office/drawing/2010/main" xmlns="" w="9525">
                   <a:solidFill>
                     <a:srgbClr val="000000"/>
                   </a:solidFill>
@@ -3892,7 +3892,7 @@
             </a:ln>
             <a:extLst>
               <a:ext uri="{91240B29-F687-4f45-9708-019B960494DF}">
-                <a14:hiddenLine xmlns="" xmlns:a14="http://schemas.microsoft.com/office/drawing/2010/main" w="9525">
+                <a14:hiddenLine xmlns:a14="http://schemas.microsoft.com/office/drawing/2010/main" xmlns="" w="9525">
                   <a:solidFill>
                     <a:srgbClr val="000000"/>
                   </a:solidFill>
@@ -3982,7 +3982,7 @@
             </a:ln>
             <a:extLst>
               <a:ext uri="{91240B29-F687-4f45-9708-019B960494DF}">
-                <a14:hiddenLine xmlns="" xmlns:a14="http://schemas.microsoft.com/office/drawing/2010/main" w="9525">
+                <a14:hiddenLine xmlns:a14="http://schemas.microsoft.com/office/drawing/2010/main" xmlns="" w="9525">
                   <a:solidFill>
                     <a:srgbClr val="000000"/>
                   </a:solidFill>
@@ -4047,7 +4047,7 @@
             </a:ln>
             <a:extLst>
               <a:ext uri="{91240B29-F687-4f45-9708-019B960494DF}">
-                <a14:hiddenLine xmlns="" xmlns:a14="http://schemas.microsoft.com/office/drawing/2010/main" w="9525">
+                <a14:hiddenLine xmlns:a14="http://schemas.microsoft.com/office/drawing/2010/main" xmlns="" w="9525">
                   <a:solidFill>
                     <a:srgbClr val="000000"/>
                   </a:solidFill>
@@ -4109,7 +4109,7 @@
             </a:ln>
             <a:extLst>
               <a:ext uri="{91240B29-F687-4f45-9708-019B960494DF}">
-                <a14:hiddenLine xmlns="" xmlns:a14="http://schemas.microsoft.com/office/drawing/2010/main" w="9525">
+                <a14:hiddenLine xmlns:a14="http://schemas.microsoft.com/office/drawing/2010/main" xmlns="" w="9525">
                   <a:solidFill>
                     <a:srgbClr val="000000"/>
                   </a:solidFill>
@@ -4199,7 +4199,7 @@
             </a:ln>
             <a:extLst>
               <a:ext uri="{91240B29-F687-4f45-9708-019B960494DF}">
-                <a14:hiddenLine xmlns="" xmlns:a14="http://schemas.microsoft.com/office/drawing/2010/main" w="9525">
+                <a14:hiddenLine xmlns:a14="http://schemas.microsoft.com/office/drawing/2010/main" xmlns="" w="9525">
                   <a:solidFill>
                     <a:srgbClr val="000000"/>
                   </a:solidFill>
@@ -4289,7 +4289,7 @@
             </a:ln>
             <a:extLst>
               <a:ext uri="{91240B29-F687-4f45-9708-019B960494DF}">
-                <a14:hiddenLine xmlns="" xmlns:a14="http://schemas.microsoft.com/office/drawing/2010/main" w="9525">
+                <a14:hiddenLine xmlns:a14="http://schemas.microsoft.com/office/drawing/2010/main" xmlns="" w="9525">
                   <a:solidFill>
                     <a:srgbClr val="000000"/>
                   </a:solidFill>
@@ -4351,7 +4351,7 @@
             </a:ln>
             <a:extLst>
               <a:ext uri="{91240B29-F687-4f45-9708-019B960494DF}">
-                <a14:hiddenLine xmlns="" xmlns:a14="http://schemas.microsoft.com/office/drawing/2010/main" w="9525">
+                <a14:hiddenLine xmlns:a14="http://schemas.microsoft.com/office/drawing/2010/main" xmlns="" w="9525">
                   <a:solidFill>
                     <a:srgbClr val="000000"/>
                   </a:solidFill>
@@ -4471,7 +4471,7 @@
             </a:ln>
             <a:extLst>
               <a:ext uri="{91240B29-F687-4f45-9708-019B960494DF}">
-                <a14:hiddenLine xmlns="" xmlns:a14="http://schemas.microsoft.com/office/drawing/2010/main" w="9525">
+                <a14:hiddenLine xmlns:a14="http://schemas.microsoft.com/office/drawing/2010/main" xmlns="" w="9525">
                   <a:solidFill>
                     <a:srgbClr val="000000"/>
                   </a:solidFill>
@@ -4539,7 +4539,7 @@
             </a:ln>
             <a:extLst>
               <a:ext uri="{91240B29-F687-4f45-9708-019B960494DF}">
-                <a14:hiddenLine xmlns="" xmlns:a14="http://schemas.microsoft.com/office/drawing/2010/main" w="9525">
+                <a14:hiddenLine xmlns:a14="http://schemas.microsoft.com/office/drawing/2010/main" xmlns="" w="9525">
                   <a:solidFill>
                     <a:srgbClr val="000000"/>
                   </a:solidFill>
@@ -4629,7 +4629,7 @@
             </a:ln>
             <a:extLst>
               <a:ext uri="{91240B29-F687-4f45-9708-019B960494DF}">
-                <a14:hiddenLine xmlns="" xmlns:a14="http://schemas.microsoft.com/office/drawing/2010/main" w="9525">
+                <a14:hiddenLine xmlns:a14="http://schemas.microsoft.com/office/drawing/2010/main" xmlns="" w="9525">
                   <a:solidFill>
                     <a:srgbClr val="000000"/>
                   </a:solidFill>
@@ -9351,7 +9351,7 @@
           <a:noFill/>
           <a:extLst>
             <a:ext uri="{909E8E84-426E-40dd-AFC4-6F175D3DCCD1}">
-              <a14:hiddenFill xmlns="" xmlns:a14="http://schemas.microsoft.com/office/drawing/2010/main">
+              <a14:hiddenFill xmlns:a14="http://schemas.microsoft.com/office/drawing/2010/main" xmlns="">
                 <a:solidFill>
                   <a:srgbClr val="FFFFFF"/>
                 </a:solidFill>
@@ -9425,7 +9425,7 @@
               </a:ln>
               <a:extLst>
                 <a:ext uri="{91240B29-F687-4f45-9708-019B960494DF}">
-                  <a14:hiddenLine xmlns="" xmlns:a14="http://schemas.microsoft.com/office/drawing/2010/main" w="9525">
+                  <a14:hiddenLine xmlns:a14="http://schemas.microsoft.com/office/drawing/2010/main" xmlns="" w="9525">
                     <a:solidFill>
                       <a:srgbClr val="000000"/>
                     </a:solidFill>
@@ -9515,7 +9515,7 @@
               </a:ln>
               <a:extLst>
                 <a:ext uri="{91240B29-F687-4f45-9708-019B960494DF}">
-                  <a14:hiddenLine xmlns="" xmlns:a14="http://schemas.microsoft.com/office/drawing/2010/main" w="9525">
+                  <a14:hiddenLine xmlns:a14="http://schemas.microsoft.com/office/drawing/2010/main" xmlns="" w="9525">
                     <a:solidFill>
                       <a:srgbClr val="000000"/>
                     </a:solidFill>
@@ -9605,7 +9605,7 @@
               </a:ln>
               <a:extLst>
                 <a:ext uri="{91240B29-F687-4f45-9708-019B960494DF}">
-                  <a14:hiddenLine xmlns="" xmlns:a14="http://schemas.microsoft.com/office/drawing/2010/main" w="9525">
+                  <a14:hiddenLine xmlns:a14="http://schemas.microsoft.com/office/drawing/2010/main" xmlns="" w="9525">
                     <a:solidFill>
                       <a:srgbClr val="000000"/>
                     </a:solidFill>
@@ -9667,7 +9667,7 @@
               </a:ln>
               <a:extLst>
                 <a:ext uri="{91240B29-F687-4f45-9708-019B960494DF}">
-                  <a14:hiddenLine xmlns="" xmlns:a14="http://schemas.microsoft.com/office/drawing/2010/main" w="9525">
+                  <a14:hiddenLine xmlns:a14="http://schemas.microsoft.com/office/drawing/2010/main" xmlns="" w="9525">
                     <a:solidFill>
                       <a:srgbClr val="000000"/>
                     </a:solidFill>
@@ -9757,7 +9757,7 @@
               </a:ln>
               <a:extLst>
                 <a:ext uri="{91240B29-F687-4f45-9708-019B960494DF}">
-                  <a14:hiddenLine xmlns="" xmlns:a14="http://schemas.microsoft.com/office/drawing/2010/main" w="9525">
+                  <a14:hiddenLine xmlns:a14="http://schemas.microsoft.com/office/drawing/2010/main" xmlns="" w="9525">
                     <a:solidFill>
                       <a:srgbClr val="000000"/>
                     </a:solidFill>
@@ -9819,7 +9819,7 @@
               </a:ln>
               <a:extLst>
                 <a:ext uri="{91240B29-F687-4f45-9708-019B960494DF}">
-                  <a14:hiddenLine xmlns="" xmlns:a14="http://schemas.microsoft.com/office/drawing/2010/main" w="9525">
+                  <a14:hiddenLine xmlns:a14="http://schemas.microsoft.com/office/drawing/2010/main" xmlns="" w="9525">
                     <a:solidFill>
                       <a:srgbClr val="000000"/>
                     </a:solidFill>
@@ -9881,7 +9881,7 @@
               </a:ln>
               <a:extLst>
                 <a:ext uri="{91240B29-F687-4f45-9708-019B960494DF}">
-                  <a14:hiddenLine xmlns="" xmlns:a14="http://schemas.microsoft.com/office/drawing/2010/main" w="9525">
+                  <a14:hiddenLine xmlns:a14="http://schemas.microsoft.com/office/drawing/2010/main" xmlns="" w="9525">
                     <a:solidFill>
                       <a:srgbClr val="000000"/>
                     </a:solidFill>
@@ -9971,7 +9971,7 @@
               </a:ln>
               <a:extLst>
                 <a:ext uri="{91240B29-F687-4f45-9708-019B960494DF}">
-                  <a14:hiddenLine xmlns="" xmlns:a14="http://schemas.microsoft.com/office/drawing/2010/main" w="9525">
+                  <a14:hiddenLine xmlns:a14="http://schemas.microsoft.com/office/drawing/2010/main" xmlns="" w="9525">
                     <a:solidFill>
                       <a:srgbClr val="000000"/>
                     </a:solidFill>
@@ -10061,7 +10061,7 @@
               </a:ln>
               <a:extLst>
                 <a:ext uri="{91240B29-F687-4f45-9708-019B960494DF}">
-                  <a14:hiddenLine xmlns="" xmlns:a14="http://schemas.microsoft.com/office/drawing/2010/main" w="9525">
+                  <a14:hiddenLine xmlns:a14="http://schemas.microsoft.com/office/drawing/2010/main" xmlns="" w="9525">
                     <a:solidFill>
                       <a:srgbClr val="000000"/>
                     </a:solidFill>
@@ -10123,7 +10123,7 @@
               </a:ln>
               <a:extLst>
                 <a:ext uri="{91240B29-F687-4f45-9708-019B960494DF}">
-                  <a14:hiddenLine xmlns="" xmlns:a14="http://schemas.microsoft.com/office/drawing/2010/main" w="9525">
+                  <a14:hiddenLine xmlns:a14="http://schemas.microsoft.com/office/drawing/2010/main" xmlns="" w="9525">
                     <a:solidFill>
                       <a:srgbClr val="000000"/>
                     </a:solidFill>
@@ -10233,7 +10233,7 @@
               </a:ln>
               <a:extLst>
                 <a:ext uri="{91240B29-F687-4f45-9708-019B960494DF}">
-                  <a14:hiddenLine xmlns="" xmlns:a14="http://schemas.microsoft.com/office/drawing/2010/main" w="9525">
+                  <a14:hiddenLine xmlns:a14="http://schemas.microsoft.com/office/drawing/2010/main" xmlns="" w="9525">
                     <a:solidFill>
                       <a:srgbClr val="000000"/>
                     </a:solidFill>
@@ -10317,7 +10317,7 @@
               </a:ln>
               <a:extLst>
                 <a:ext uri="{91240B29-F687-4f45-9708-019B960494DF}">
-                  <a14:hiddenLine xmlns="" xmlns:a14="http://schemas.microsoft.com/office/drawing/2010/main" w="9525">
+                  <a14:hiddenLine xmlns:a14="http://schemas.microsoft.com/office/drawing/2010/main" xmlns="" w="9525">
                     <a:solidFill>
                       <a:srgbClr val="000000"/>
                     </a:solidFill>
@@ -10379,7 +10379,7 @@
               </a:ln>
               <a:extLst>
                 <a:ext uri="{91240B29-F687-4f45-9708-019B960494DF}">
-                  <a14:hiddenLine xmlns="" xmlns:a14="http://schemas.microsoft.com/office/drawing/2010/main" w="9525">
+                  <a14:hiddenLine xmlns:a14="http://schemas.microsoft.com/office/drawing/2010/main" xmlns="" w="9525">
                     <a:solidFill>
                       <a:srgbClr val="000000"/>
                     </a:solidFill>
@@ -10441,7 +10441,7 @@
               </a:ln>
               <a:extLst>
                 <a:ext uri="{91240B29-F687-4f45-9708-019B960494DF}">
-                  <a14:hiddenLine xmlns="" xmlns:a14="http://schemas.microsoft.com/office/drawing/2010/main" w="9525">
+                  <a14:hiddenLine xmlns:a14="http://schemas.microsoft.com/office/drawing/2010/main" xmlns="" w="9525">
                     <a:solidFill>
                       <a:srgbClr val="000000"/>
                     </a:solidFill>
@@ -10531,7 +10531,7 @@
               </a:ln>
               <a:extLst>
                 <a:ext uri="{91240B29-F687-4f45-9708-019B960494DF}">
-                  <a14:hiddenLine xmlns="" xmlns:a14="http://schemas.microsoft.com/office/drawing/2010/main" w="9525">
+                  <a14:hiddenLine xmlns:a14="http://schemas.microsoft.com/office/drawing/2010/main" xmlns="" w="9525">
                     <a:solidFill>
                       <a:srgbClr val="000000"/>
                     </a:solidFill>
@@ -10565,7 +10565,7 @@
               </a:ln>
               <a:extLst>
                 <a:ext uri="{91240B29-F687-4f45-9708-019B960494DF}">
-                  <a14:hiddenLine xmlns="" xmlns:a14="http://schemas.microsoft.com/office/drawing/2010/main" w="9525">
+                  <a14:hiddenLine xmlns:a14="http://schemas.microsoft.com/office/drawing/2010/main" xmlns="" w="9525">
                     <a:solidFill>
                       <a:srgbClr val="000000"/>
                     </a:solidFill>
@@ -10630,7 +10630,7 @@
               </a:ln>
               <a:extLst>
                 <a:ext uri="{91240B29-F687-4f45-9708-019B960494DF}">
-                  <a14:hiddenLine xmlns="" xmlns:a14="http://schemas.microsoft.com/office/drawing/2010/main" w="9525">
+                  <a14:hiddenLine xmlns:a14="http://schemas.microsoft.com/office/drawing/2010/main" xmlns="" w="9525">
                     <a:solidFill>
                       <a:srgbClr val="000000"/>
                     </a:solidFill>
@@ -10720,7 +10720,7 @@
               </a:ln>
               <a:extLst>
                 <a:ext uri="{91240B29-F687-4f45-9708-019B960494DF}">
-                  <a14:hiddenLine xmlns="" xmlns:a14="http://schemas.microsoft.com/office/drawing/2010/main" w="9525">
+                  <a14:hiddenLine xmlns:a14="http://schemas.microsoft.com/office/drawing/2010/main" xmlns="" w="9525">
                     <a:solidFill>
                       <a:srgbClr val="000000"/>
                     </a:solidFill>
@@ -10782,7 +10782,7 @@
               </a:ln>
               <a:extLst>
                 <a:ext uri="{91240B29-F687-4f45-9708-019B960494DF}">
-                  <a14:hiddenLine xmlns="" xmlns:a14="http://schemas.microsoft.com/office/drawing/2010/main" w="9525">
+                  <a14:hiddenLine xmlns:a14="http://schemas.microsoft.com/office/drawing/2010/main" xmlns="" w="9525">
                     <a:solidFill>
                       <a:srgbClr val="000000"/>
                     </a:solidFill>
@@ -10872,7 +10872,7 @@
               </a:ln>
               <a:extLst>
                 <a:ext uri="{91240B29-F687-4f45-9708-019B960494DF}">
-                  <a14:hiddenLine xmlns="" xmlns:a14="http://schemas.microsoft.com/office/drawing/2010/main" w="9525">
+                  <a14:hiddenLine xmlns:a14="http://schemas.microsoft.com/office/drawing/2010/main" xmlns="" w="9525">
                     <a:solidFill>
                       <a:srgbClr val="000000"/>
                     </a:solidFill>
@@ -10937,7 +10937,7 @@
               </a:ln>
               <a:extLst>
                 <a:ext uri="{91240B29-F687-4f45-9708-019B960494DF}">
-                  <a14:hiddenLine xmlns="" xmlns:a14="http://schemas.microsoft.com/office/drawing/2010/main" w="9525">
+                  <a14:hiddenLine xmlns:a14="http://schemas.microsoft.com/office/drawing/2010/main" xmlns="" w="9525">
                     <a:solidFill>
                       <a:srgbClr val="000000"/>
                     </a:solidFill>
@@ -10999,7 +10999,7 @@
               </a:ln>
               <a:extLst>
                 <a:ext uri="{91240B29-F687-4f45-9708-019B960494DF}">
-                  <a14:hiddenLine xmlns="" xmlns:a14="http://schemas.microsoft.com/office/drawing/2010/main" w="9525">
+                  <a14:hiddenLine xmlns:a14="http://schemas.microsoft.com/office/drawing/2010/main" xmlns="" w="9525">
                     <a:solidFill>
                       <a:srgbClr val="000000"/>
                     </a:solidFill>
@@ -11089,7 +11089,7 @@
               </a:ln>
               <a:extLst>
                 <a:ext uri="{91240B29-F687-4f45-9708-019B960494DF}">
-                  <a14:hiddenLine xmlns="" xmlns:a14="http://schemas.microsoft.com/office/drawing/2010/main" w="9525">
+                  <a14:hiddenLine xmlns:a14="http://schemas.microsoft.com/office/drawing/2010/main" xmlns="" w="9525">
                     <a:solidFill>
                       <a:srgbClr val="000000"/>
                     </a:solidFill>
@@ -11179,7 +11179,7 @@
               </a:ln>
               <a:extLst>
                 <a:ext uri="{91240B29-F687-4f45-9708-019B960494DF}">
-                  <a14:hiddenLine xmlns="" xmlns:a14="http://schemas.microsoft.com/office/drawing/2010/main" w="9525">
+                  <a14:hiddenLine xmlns:a14="http://schemas.microsoft.com/office/drawing/2010/main" xmlns="" w="9525">
                     <a:solidFill>
                       <a:srgbClr val="000000"/>
                     </a:solidFill>
@@ -11244,7 +11244,7 @@
               </a:ln>
               <a:extLst>
                 <a:ext uri="{91240B29-F687-4f45-9708-019B960494DF}">
-                  <a14:hiddenLine xmlns="" xmlns:a14="http://schemas.microsoft.com/office/drawing/2010/main" w="9525">
+                  <a14:hiddenLine xmlns:a14="http://schemas.microsoft.com/office/drawing/2010/main" xmlns="" w="9525">
                     <a:solidFill>
                       <a:srgbClr val="000000"/>
                     </a:solidFill>
@@ -11364,7 +11364,7 @@
               </a:ln>
               <a:extLst>
                 <a:ext uri="{91240B29-F687-4f45-9708-019B960494DF}">
-                  <a14:hiddenLine xmlns="" xmlns:a14="http://schemas.microsoft.com/office/drawing/2010/main" w="9525">
+                  <a14:hiddenLine xmlns:a14="http://schemas.microsoft.com/office/drawing/2010/main" xmlns="" w="9525">
                     <a:solidFill>
                       <a:srgbClr val="000000"/>
                     </a:solidFill>
@@ -11462,7 +11462,7 @@
               </a:ln>
               <a:extLst>
                 <a:ext uri="{91240B29-F687-4f45-9708-019B960494DF}">
-                  <a14:hiddenLine xmlns="" xmlns:a14="http://schemas.microsoft.com/office/drawing/2010/main" w="9525">
+                  <a14:hiddenLine xmlns:a14="http://schemas.microsoft.com/office/drawing/2010/main" xmlns="" w="9525">
                     <a:solidFill>
                       <a:srgbClr val="000000"/>
                     </a:solidFill>
@@ -11577,7 +11577,7 @@
               </a:ln>
               <a:extLst>
                 <a:ext uri="{91240B29-F687-4f45-9708-019B960494DF}">
-                  <a14:hiddenLine xmlns="" xmlns:a14="http://schemas.microsoft.com/office/drawing/2010/main" w="9525">
+                  <a14:hiddenLine xmlns:a14="http://schemas.microsoft.com/office/drawing/2010/main" xmlns="" w="9525">
                     <a:solidFill>
                       <a:srgbClr val="000000"/>
                     </a:solidFill>
@@ -11667,7 +11667,7 @@
               </a:ln>
               <a:extLst>
                 <a:ext uri="{91240B29-F687-4f45-9708-019B960494DF}">
-                  <a14:hiddenLine xmlns="" xmlns:a14="http://schemas.microsoft.com/office/drawing/2010/main" w="9525">
+                  <a14:hiddenLine xmlns:a14="http://schemas.microsoft.com/office/drawing/2010/main" xmlns="" w="9525">
                     <a:solidFill>
                       <a:srgbClr val="000000"/>
                     </a:solidFill>
@@ -11732,7 +11732,7 @@
               </a:ln>
               <a:extLst>
                 <a:ext uri="{91240B29-F687-4f45-9708-019B960494DF}">
-                  <a14:hiddenLine xmlns="" xmlns:a14="http://schemas.microsoft.com/office/drawing/2010/main" w="9525">
+                  <a14:hiddenLine xmlns:a14="http://schemas.microsoft.com/office/drawing/2010/main" xmlns="" w="9525">
                     <a:solidFill>
                       <a:srgbClr val="000000"/>
                     </a:solidFill>
@@ -11822,7 +11822,7 @@
               </a:ln>
               <a:extLst>
                 <a:ext uri="{91240B29-F687-4f45-9708-019B960494DF}">
-                  <a14:hiddenLine xmlns="" xmlns:a14="http://schemas.microsoft.com/office/drawing/2010/main" w="9525">
+                  <a14:hiddenLine xmlns:a14="http://schemas.microsoft.com/office/drawing/2010/main" xmlns="" w="9525">
                     <a:solidFill>
                       <a:srgbClr val="000000"/>
                     </a:solidFill>
@@ -11890,7 +11890,7 @@
               </a:ln>
               <a:extLst>
                 <a:ext uri="{91240B29-F687-4f45-9708-019B960494DF}">
-                  <a14:hiddenLine xmlns="" xmlns:a14="http://schemas.microsoft.com/office/drawing/2010/main" w="9525">
+                  <a14:hiddenLine xmlns:a14="http://schemas.microsoft.com/office/drawing/2010/main" xmlns="" w="9525">
                     <a:solidFill>
                       <a:srgbClr val="000000"/>
                     </a:solidFill>
@@ -11980,7 +11980,7 @@
               </a:ln>
               <a:extLst>
                 <a:ext uri="{91240B29-F687-4f45-9708-019B960494DF}">
-                  <a14:hiddenLine xmlns="" xmlns:a14="http://schemas.microsoft.com/office/drawing/2010/main" w="9525">
+                  <a14:hiddenLine xmlns:a14="http://schemas.microsoft.com/office/drawing/2010/main" xmlns="" w="9525">
                     <a:solidFill>
                       <a:srgbClr val="000000"/>
                     </a:solidFill>
@@ -12048,7 +12048,7 @@
               </a:ln>
               <a:extLst>
                 <a:ext uri="{91240B29-F687-4f45-9708-019B960494DF}">
-                  <a14:hiddenLine xmlns="" xmlns:a14="http://schemas.microsoft.com/office/drawing/2010/main" w="9525">
+                  <a14:hiddenLine xmlns:a14="http://schemas.microsoft.com/office/drawing/2010/main" xmlns="" w="9525">
                     <a:solidFill>
                       <a:srgbClr val="000000"/>
                     </a:solidFill>
@@ -12138,7 +12138,7 @@
               </a:ln>
               <a:extLst>
                 <a:ext uri="{91240B29-F687-4f45-9708-019B960494DF}">
-                  <a14:hiddenLine xmlns="" xmlns:a14="http://schemas.microsoft.com/office/drawing/2010/main" w="9525">
+                  <a14:hiddenLine xmlns:a14="http://schemas.microsoft.com/office/drawing/2010/main" xmlns="" w="9525">
                     <a:solidFill>
                       <a:srgbClr val="000000"/>
                     </a:solidFill>
@@ -12172,7 +12172,7 @@
               </a:ln>
               <a:extLst>
                 <a:ext uri="{91240B29-F687-4f45-9708-019B960494DF}">
-                  <a14:hiddenLine xmlns="" xmlns:a14="http://schemas.microsoft.com/office/drawing/2010/main" w="9525">
+                  <a14:hiddenLine xmlns:a14="http://schemas.microsoft.com/office/drawing/2010/main" xmlns="" w="9525">
                     <a:solidFill>
                       <a:srgbClr val="000000"/>
                     </a:solidFill>
@@ -14613,63 +14613,14 @@
               <a:rPr lang="en-US" b="0" i="0" u="none" strike="noStrike" dirty="0">
                 <a:effectLst/>
                 <a:latin typeface="Ford Antenna Medium" panose="02000505000000020004"/>
-                <a:hlinkClick r:id="rId2">
-                  <a:extLst>
-                    <a:ext uri="{A12FA001-AC4F-418D-AE19-62706E023703}">
-                      <ahyp:hlinkClr xmlns:ahyp="http://schemas.microsoft.com/office/drawing/2018/hyperlinkcolor" val="tx"/>
-                    </a:ext>
-                  </a:extLst>
-                </a:hlinkClick>
               </a:rPr>
-              <a:t>https://webconcepts.info/specs/IETF/RFC/6573.html</a:t>
+              <a:t>Link Relation: collection, </a:t>
             </a:r>
-            <a:endParaRPr lang="en-US" b="0" i="0" dirty="0">
-              <a:effectLst/>
-              <a:latin typeface="Ford Antenna Medium" panose="02000505000000020004"/>
-            </a:endParaRPr>
-          </a:p>
-          <a:p>
-            <a:pPr algn="l">
-              <a:buFont typeface="Arial" panose="020B0604020202020204" pitchFamily="34" charset="0"/>
-              <a:buChar char="•"/>
-            </a:pPr>
             <a:r>
-              <a:rPr lang="en-US" b="0" i="0" u="none" strike="noStrike" dirty="0">
-                <a:effectLst/>
+              <a:rPr lang="en-US" dirty="0">
                 <a:latin typeface="Ford Antenna Medium" panose="02000505000000020004"/>
-                <a:hlinkClick r:id="rId3">
-                  <a:extLst>
-                    <a:ext uri="{A12FA001-AC4F-418D-AE19-62706E023703}">
-                      <ahyp:hlinkClr xmlns:ahyp="http://schemas.microsoft.com/office/drawing/2018/hyperlinkcolor" val="tx"/>
-                    </a:ext>
-                  </a:extLst>
-                </a:hlinkClick>
               </a:rPr>
-              <a:t>https://webconcepts.info/concepts/link-relation/collection</a:t>
-            </a:r>
-            <a:endParaRPr lang="en-US" b="0" i="0" dirty="0">
-              <a:effectLst/>
-              <a:latin typeface="Ford Antenna Medium" panose="02000505000000020004"/>
-            </a:endParaRPr>
-          </a:p>
-          <a:p>
-            <a:pPr algn="l">
-              <a:buFont typeface="Arial" panose="020B0604020202020204" pitchFamily="34" charset="0"/>
-              <a:buChar char="•"/>
-            </a:pPr>
-            <a:r>
-              <a:rPr lang="en-US" b="0" i="0" u="none" strike="noStrike" dirty="0">
-                <a:effectLst/>
-                <a:latin typeface="Ford Antenna Medium" panose="02000505000000020004"/>
-                <a:hlinkClick r:id="rId4">
-                  <a:extLst>
-                    <a:ext uri="{A12FA001-AC4F-418D-AE19-62706E023703}">
-                      <ahyp:hlinkClr xmlns:ahyp="http://schemas.microsoft.com/office/drawing/2018/hyperlinkcolor" val="tx"/>
-                    </a:ext>
-                  </a:extLst>
-                </a:hlinkClick>
-              </a:rPr>
-              <a:t>https://webconcepts.info/concepts/link-relation/item</a:t>
+              <a:t>item</a:t>
             </a:r>
             <a:endParaRPr lang="en-US" b="0" i="0" dirty="0">
               <a:effectLst/>
@@ -15371,16 +15322,15 @@
           </p:cNvPicPr>
           <p:nvPr/>
         </p:nvPicPr>
-        <p:blipFill>
+        <p:blipFill rotWithShape="1">
           <a:blip r:embed="rId2"/>
-          <a:stretch>
-            <a:fillRect/>
-          </a:stretch>
+          <a:srcRect b="38329"/>
+          <a:stretch/>
         </p:blipFill>
         <p:spPr>
           <a:xfrm>
-            <a:off x="3120895" y="2110510"/>
-            <a:ext cx="6203702" cy="4747490"/>
+            <a:off x="2343654" y="2249486"/>
+            <a:ext cx="7672349" cy="3620961"/>
           </a:xfrm>
           <a:prstGeom prst="rect">
             <a:avLst/>
